--- a/Soul.pptx
+++ b/Soul.pptx
@@ -23,6 +23,7 @@
     <p:sldId id="272" r:id="rId17"/>
     <p:sldId id="273" r:id="rId18"/>
     <p:sldId id="274" r:id="rId19"/>
+    <p:sldId id="275" r:id="rId20"/>
   </p:sldIdLst>
   <p:sldSz cx="12192000" cy="6858000"/>
   <p:notesSz cx="6858000" cy="9144000"/>
@@ -28442,6 +28443,74 @@
 </p:sld>
 </file>
 
+<file path=ppt/slides/slide19.xml><?xml version="1.0" encoding="utf-8"?>
+<p:sld xmlns:a="http://schemas.openxmlformats.org/drawingml/2006/main" xmlns:r="http://schemas.openxmlformats.org/officeDocument/2006/relationships" xmlns:p="http://schemas.openxmlformats.org/presentationml/2006/main">
+  <p:cSld>
+    <p:spTree>
+      <p:nvGrpSpPr>
+        <p:cNvPr id="1" name=""/>
+        <p:cNvGrpSpPr/>
+        <p:nvPr/>
+      </p:nvGrpSpPr>
+      <p:grpSpPr>
+        <a:xfrm>
+          <a:off x="0" y="0"/>
+          <a:ext cx="0" cy="0"/>
+          <a:chOff x="0" y="0"/>
+          <a:chExt cx="0" cy="0"/>
+        </a:xfrm>
+      </p:grpSpPr>
+      <p:sp>
+        <p:nvSpPr>
+          <p:cNvPr id="2" name="제목 1"/>
+          <p:cNvSpPr>
+            <a:spLocks noGrp="1"/>
+          </p:cNvSpPr>
+          <p:nvPr>
+            <p:ph type="title"/>
+          </p:nvPr>
+        </p:nvSpPr>
+        <p:spPr/>
+        <p:txBody>
+          <a:bodyPr/>
+          <a:lstStyle/>
+          <a:p>
+            <a:endParaRPr lang="ko-KR" altLang="en-US"/>
+          </a:p>
+        </p:txBody>
+      </p:sp>
+      <p:sp>
+        <p:nvSpPr>
+          <p:cNvPr id="3" name="내용 개체 틀 2"/>
+          <p:cNvSpPr>
+            <a:spLocks noGrp="1"/>
+          </p:cNvSpPr>
+          <p:nvPr>
+            <p:ph idx="1"/>
+          </p:nvPr>
+        </p:nvSpPr>
+        <p:spPr/>
+        <p:txBody>
+          <a:bodyPr/>
+          <a:lstStyle/>
+          <a:p>
+            <a:endParaRPr lang="ko-KR" altLang="en-US"/>
+          </a:p>
+        </p:txBody>
+      </p:sp>
+    </p:spTree>
+    <p:extLst>
+      <p:ext uri="{BB962C8B-B14F-4D97-AF65-F5344CB8AC3E}">
+        <p14:creationId xmlns:p14="http://schemas.microsoft.com/office/powerpoint/2010/main" val="693507502"/>
+      </p:ext>
+    </p:extLst>
+  </p:cSld>
+  <p:clrMapOvr>
+    <a:masterClrMapping/>
+  </p:clrMapOvr>
+</p:sld>
+</file>
+
 <file path=ppt/slides/slide2.xml><?xml version="1.0" encoding="utf-8"?>
 <p:sld xmlns:a="http://schemas.openxmlformats.org/drawingml/2006/main" xmlns:r="http://schemas.openxmlformats.org/officeDocument/2006/relationships" xmlns:p="http://schemas.openxmlformats.org/presentationml/2006/main">
   <p:cSld>

--- a/Soul.pptx
+++ b/Soul.pptx
@@ -5223,7 +5223,7 @@
           <p:nvPr>
             <p:extLst>
               <p:ext uri="{D42A27DB-BD31-4B8C-83A1-F6EECF244321}">
-                <p14:modId xmlns:p14="http://schemas.microsoft.com/office/powerpoint/2010/main" val="2574602079"/>
+                <p14:modId xmlns:p14="http://schemas.microsoft.com/office/powerpoint/2010/main" val="3702629717"/>
               </p:ext>
             </p:extLst>
           </p:nvPr>
@@ -11280,74 +11280,6 @@
           </p:txBody>
         </p:sp>
       </p:grpSp>
-      <p:sp>
-        <p:nvSpPr>
-          <p:cNvPr id="55" name="직사각형 54"/>
-          <p:cNvSpPr/>
-          <p:nvPr/>
-        </p:nvSpPr>
-        <p:spPr>
-          <a:xfrm>
-            <a:off x="1974036" y="2526517"/>
-            <a:ext cx="1198325" cy="1771460"/>
-          </a:xfrm>
-          <a:prstGeom prst="rect">
-            <a:avLst/>
-          </a:prstGeom>
-          <a:solidFill>
-            <a:schemeClr val="accent1">
-              <a:lumMod val="75000"/>
-            </a:schemeClr>
-          </a:solidFill>
-          <a:ln>
-            <a:solidFill>
-              <a:schemeClr val="tx1"/>
-            </a:solidFill>
-          </a:ln>
-        </p:spPr>
-        <p:style>
-          <a:lnRef idx="2">
-            <a:schemeClr val="accent1">
-              <a:shade val="50000"/>
-            </a:schemeClr>
-          </a:lnRef>
-          <a:fillRef idx="1">
-            <a:schemeClr val="accent1"/>
-          </a:fillRef>
-          <a:effectRef idx="0">
-            <a:schemeClr val="accent1"/>
-          </a:effectRef>
-          <a:fontRef idx="minor">
-            <a:schemeClr val="lt1"/>
-          </a:fontRef>
-        </p:style>
-        <p:txBody>
-          <a:bodyPr vert="horz" rtlCol="0" anchor="ctr"/>
-          <a:lstStyle/>
-          <a:p>
-            <a:pPr algn="ctr"/>
-            <a:r>
-              <a:rPr lang="ko-KR" altLang="en-US" sz="1050" b="1" dirty="0"/>
-              <a:t>캐릭터 </a:t>
-            </a:r>
-            <a:r>
-              <a:rPr lang="en-US" altLang="ko-KR" sz="1050" b="1" dirty="0"/>
-              <a:t>2</a:t>
-            </a:r>
-          </a:p>
-          <a:p>
-            <a:pPr algn="ctr"/>
-            <a:endParaRPr lang="en-US" altLang="ko-KR" sz="1050" b="1" dirty="0"/>
-          </a:p>
-          <a:p>
-            <a:pPr algn="ctr"/>
-            <a:r>
-              <a:rPr lang="en-US" altLang="ko-KR" sz="1050" b="1" dirty="0"/>
-              <a:t>(Strong)</a:t>
-            </a:r>
-          </a:p>
-        </p:txBody>
-      </p:sp>
       <p:grpSp>
         <p:nvGrpSpPr>
           <p:cNvPr id="61" name="그룹 60"/>
@@ -11779,7 +11711,7 @@
         <p:spPr>
           <a:xfrm>
             <a:off x="9742151" y="982987"/>
-            <a:ext cx="2349092" cy="1541554"/>
+            <a:ext cx="2349092" cy="755250"/>
           </a:xfrm>
           <a:prstGeom prst="rect">
             <a:avLst/>
@@ -11931,14 +11863,14 @@
           <p:nvPr>
             <p:extLst>
               <p:ext uri="{D42A27DB-BD31-4B8C-83A1-F6EECF244321}">
-                <p14:modId xmlns:p14="http://schemas.microsoft.com/office/powerpoint/2010/main" val="4293683720"/>
+                <p14:modId xmlns:p14="http://schemas.microsoft.com/office/powerpoint/2010/main" val="375789600"/>
               </p:ext>
             </p:extLst>
           </p:nvPr>
         </p:nvGraphicFramePr>
         <p:xfrm>
           <a:off x="9752021" y="1159117"/>
-          <a:ext cx="2339219" cy="1365424"/>
+          <a:ext cx="2339219" cy="579120"/>
         </p:xfrm>
         <a:graphic>
           <a:graphicData uri="http://schemas.openxmlformats.org/drawingml/2006/table">
@@ -12119,150 +12051,6 @@
                 <a:extLst>
                   <a:ext uri="{0D108BD9-81ED-4DB2-BD59-A6C34878D82A}">
                     <a16:rowId xmlns:a16="http://schemas.microsoft.com/office/drawing/2014/main" val="1332450248"/>
-                  </a:ext>
-                </a:extLst>
-              </a:tr>
-              <a:tr h="786304">
-                <a:tc>
-                  <a:txBody>
-                    <a:bodyPr/>
-                    <a:lstStyle/>
-                    <a:p>
-                      <a:pPr algn="ctr" latinLnBrk="1"/>
-                      <a:r>
-                        <a:rPr lang="en-US" altLang="ko-KR" sz="1400" dirty="0">
-                          <a:solidFill>
-                            <a:schemeClr val="tx1"/>
-                          </a:solidFill>
-                        </a:rPr>
-                        <a:t>2</a:t>
-                      </a:r>
-                      <a:endParaRPr lang="ko-KR" altLang="en-US" sz="1400" dirty="0">
-                        <a:solidFill>
-                          <a:schemeClr val="tx1"/>
-                        </a:solidFill>
-                      </a:endParaRPr>
-                    </a:p>
-                  </a:txBody>
-                  <a:tcPr anchor="ctr" anchorCtr="1">
-                    <a:lnL w="9525" cap="flat" cmpd="sng" algn="ctr">
-                      <a:solidFill>
-                        <a:schemeClr val="tx1"/>
-                      </a:solidFill>
-                      <a:prstDash val="solid"/>
-                      <a:round/>
-                      <a:headEnd type="none" w="med" len="med"/>
-                      <a:tailEnd type="none" w="med" len="med"/>
-                    </a:lnL>
-                    <a:lnR w="9525" cap="flat" cmpd="sng" algn="ctr">
-                      <a:solidFill>
-                        <a:schemeClr val="tx1"/>
-                      </a:solidFill>
-                      <a:prstDash val="solid"/>
-                      <a:round/>
-                      <a:headEnd type="none" w="med" len="med"/>
-                      <a:tailEnd type="none" w="med" len="med"/>
-                    </a:lnR>
-                    <a:lnT w="9525" cap="flat" cmpd="sng" algn="ctr">
-                      <a:solidFill>
-                        <a:schemeClr val="tx1"/>
-                      </a:solidFill>
-                      <a:prstDash val="solid"/>
-                      <a:round/>
-                      <a:headEnd type="none" w="med" len="med"/>
-                      <a:tailEnd type="none" w="med" len="med"/>
-                    </a:lnT>
-                    <a:lnB w="9525" cap="flat" cmpd="sng" algn="ctr">
-                      <a:solidFill>
-                        <a:schemeClr val="tx1"/>
-                      </a:solidFill>
-                      <a:prstDash val="solid"/>
-                      <a:round/>
-                      <a:headEnd type="none" w="med" len="med"/>
-                      <a:tailEnd type="none" w="med" len="med"/>
-                    </a:lnB>
-                    <a:solidFill>
-                      <a:schemeClr val="bg1"/>
-                    </a:solidFill>
-                  </a:tcPr>
-                </a:tc>
-                <a:tc>
-                  <a:txBody>
-                    <a:bodyPr/>
-                    <a:lstStyle/>
-                    <a:p>
-                      <a:pPr algn="ctr" latinLnBrk="1"/>
-                      <a:r>
-                        <a:rPr lang="ko-KR" altLang="en-US" sz="800" b="0" dirty="0">
-                          <a:solidFill>
-                            <a:schemeClr val="tx1"/>
-                          </a:solidFill>
-                        </a:rPr>
-                        <a:t>도르래 작동 시</a:t>
-                      </a:r>
-                      <a:r>
-                        <a:rPr lang="en-US" altLang="ko-KR" sz="800" b="0" dirty="0">
-                          <a:solidFill>
-                            <a:schemeClr val="tx1"/>
-                          </a:solidFill>
-                        </a:rPr>
-                        <a:t>, </a:t>
-                      </a:r>
-                      <a:r>
-                        <a:rPr lang="ko-KR" altLang="en-US" sz="800" b="0" dirty="0">
-                          <a:solidFill>
-                            <a:schemeClr val="tx1"/>
-                          </a:solidFill>
-                        </a:rPr>
-                        <a:t>도르래 벽 상승 </a:t>
-                      </a:r>
-                    </a:p>
-                  </a:txBody>
-                  <a:tcPr anchor="ctr" anchorCtr="1">
-                    <a:lnL w="9525" cap="flat" cmpd="sng" algn="ctr">
-                      <a:solidFill>
-                        <a:schemeClr val="tx1"/>
-                      </a:solidFill>
-                      <a:prstDash val="solid"/>
-                      <a:round/>
-                      <a:headEnd type="none" w="med" len="med"/>
-                      <a:tailEnd type="none" w="med" len="med"/>
-                    </a:lnL>
-                    <a:lnR w="9525" cap="flat" cmpd="sng" algn="ctr">
-                      <a:solidFill>
-                        <a:schemeClr val="tx1"/>
-                      </a:solidFill>
-                      <a:prstDash val="solid"/>
-                      <a:round/>
-                      <a:headEnd type="none" w="med" len="med"/>
-                      <a:tailEnd type="none" w="med" len="med"/>
-                    </a:lnR>
-                    <a:lnT w="9525" cap="flat" cmpd="sng" algn="ctr">
-                      <a:solidFill>
-                        <a:schemeClr val="tx1"/>
-                      </a:solidFill>
-                      <a:prstDash val="solid"/>
-                      <a:round/>
-                      <a:headEnd type="none" w="med" len="med"/>
-                      <a:tailEnd type="none" w="med" len="med"/>
-                    </a:lnT>
-                    <a:lnB w="9525" cap="flat" cmpd="sng" algn="ctr">
-                      <a:solidFill>
-                        <a:schemeClr val="tx1"/>
-                      </a:solidFill>
-                      <a:prstDash val="solid"/>
-                      <a:round/>
-                      <a:headEnd type="none" w="med" len="med"/>
-                      <a:tailEnd type="none" w="med" len="med"/>
-                    </a:lnB>
-                    <a:solidFill>
-                      <a:schemeClr val="bg1"/>
-                    </a:solidFill>
-                  </a:tcPr>
-                </a:tc>
-                <a:extLst>
-                  <a:ext uri="{0D108BD9-81ED-4DB2-BD59-A6C34878D82A}">
-                    <a16:rowId xmlns:a16="http://schemas.microsoft.com/office/drawing/2014/main" val="4211421534"/>
                   </a:ext>
                 </a:extLst>
               </a:tr>
@@ -14248,103 +14036,6 @@
           </a:p>
         </p:txBody>
       </p:sp>
-      <p:sp>
-        <p:nvSpPr>
-          <p:cNvPr id="68" name="직사각형 67"/>
-          <p:cNvSpPr/>
-          <p:nvPr/>
-        </p:nvSpPr>
-        <p:spPr>
-          <a:xfrm>
-            <a:off x="5243286" y="2126917"/>
-            <a:ext cx="802432" cy="795042"/>
-          </a:xfrm>
-          <a:prstGeom prst="rect">
-            <a:avLst/>
-          </a:prstGeom>
-          <a:solidFill>
-            <a:srgbClr val="9900CC"/>
-          </a:solidFill>
-          <a:ln>
-            <a:solidFill>
-              <a:schemeClr val="tx1"/>
-            </a:solidFill>
-          </a:ln>
-        </p:spPr>
-        <p:style>
-          <a:lnRef idx="2">
-            <a:schemeClr val="accent1">
-              <a:shade val="50000"/>
-            </a:schemeClr>
-          </a:lnRef>
-          <a:fillRef idx="1">
-            <a:schemeClr val="accent1"/>
-          </a:fillRef>
-          <a:effectRef idx="0">
-            <a:schemeClr val="accent1"/>
-          </a:effectRef>
-          <a:fontRef idx="minor">
-            <a:schemeClr val="lt1"/>
-          </a:fontRef>
-        </p:style>
-        <p:txBody>
-          <a:bodyPr rtlCol="0" anchor="ctr"/>
-          <a:lstStyle/>
-          <a:p>
-            <a:pPr algn="ctr"/>
-            <a:endParaRPr lang="ko-KR" altLang="en-US"/>
-          </a:p>
-        </p:txBody>
-      </p:sp>
-      <p:sp>
-        <p:nvSpPr>
-          <p:cNvPr id="69" name="타원 68"/>
-          <p:cNvSpPr/>
-          <p:nvPr/>
-        </p:nvSpPr>
-        <p:spPr>
-          <a:xfrm>
-            <a:off x="5343508" y="2223444"/>
-            <a:ext cx="601987" cy="601987"/>
-          </a:xfrm>
-          <a:prstGeom prst="ellipse">
-            <a:avLst/>
-          </a:prstGeom>
-          <a:solidFill>
-            <a:srgbClr val="CC66FF"/>
-          </a:solidFill>
-          <a:ln>
-            <a:noFill/>
-          </a:ln>
-        </p:spPr>
-        <p:style>
-          <a:lnRef idx="2">
-            <a:schemeClr val="accent1">
-              <a:shade val="50000"/>
-            </a:schemeClr>
-          </a:lnRef>
-          <a:fillRef idx="1">
-            <a:schemeClr val="accent1"/>
-          </a:fillRef>
-          <a:effectRef idx="0">
-            <a:schemeClr val="accent1"/>
-          </a:effectRef>
-          <a:fontRef idx="minor">
-            <a:schemeClr val="lt1"/>
-          </a:fontRef>
-        </p:style>
-        <p:txBody>
-          <a:bodyPr rtlCol="0" anchor="ctr"/>
-          <a:lstStyle/>
-          <a:p>
-            <a:pPr algn="ctr"/>
-            <a:r>
-              <a:rPr lang="ko-KR" altLang="en-US" sz="1000" dirty="0"/>
-              <a:t>도르래</a:t>
-            </a:r>
-          </a:p>
-        </p:txBody>
-      </p:sp>
       <p:cxnSp>
         <p:nvCxnSpPr>
           <p:cNvPr id="71" name="직선 연결선 70"/>
@@ -14574,7 +14265,7 @@
         </p:nvSpPr>
         <p:spPr>
           <a:xfrm>
-            <a:off x="8821377" y="4858466"/>
+            <a:off x="8821377" y="3137442"/>
             <a:ext cx="732947" cy="403716"/>
           </a:xfrm>
           <a:prstGeom prst="rect">
@@ -14620,117 +14311,6 @@
               <a:rPr lang="ko-KR" altLang="en-US" dirty="0"/>
               <a:t>벽</a:t>
             </a:r>
-          </a:p>
-        </p:txBody>
-      </p:sp>
-      <p:sp>
-        <p:nvSpPr>
-          <p:cNvPr id="76" name="타원 75"/>
-          <p:cNvSpPr/>
-          <p:nvPr/>
-        </p:nvSpPr>
-        <p:spPr>
-          <a:xfrm>
-            <a:off x="5001570" y="1949169"/>
-            <a:ext cx="217576" cy="213093"/>
-          </a:xfrm>
-          <a:prstGeom prst="ellipse">
-            <a:avLst/>
-          </a:prstGeom>
-          <a:noFill/>
-          <a:ln w="28575">
-            <a:solidFill>
-              <a:srgbClr val="FF0000"/>
-            </a:solidFill>
-            <a:prstDash val="sysDot"/>
-          </a:ln>
-        </p:spPr>
-        <p:style>
-          <a:lnRef idx="2">
-            <a:schemeClr val="accent1">
-              <a:shade val="50000"/>
-            </a:schemeClr>
-          </a:lnRef>
-          <a:fillRef idx="1">
-            <a:schemeClr val="accent1"/>
-          </a:fillRef>
-          <a:effectRef idx="0">
-            <a:schemeClr val="accent1"/>
-          </a:effectRef>
-          <a:fontRef idx="minor">
-            <a:schemeClr val="lt1"/>
-          </a:fontRef>
-        </p:style>
-        <p:txBody>
-          <a:bodyPr rtlCol="0" anchor="ctr"/>
-          <a:lstStyle/>
-          <a:p>
-            <a:pPr algn="ctr"/>
-            <a:r>
-              <a:rPr lang="en-US" altLang="ko-KR" sz="1600" b="1" dirty="0">
-                <a:solidFill>
-                  <a:srgbClr val="FF0000"/>
-                </a:solidFill>
-              </a:rPr>
-              <a:t>2</a:t>
-            </a:r>
-            <a:endParaRPr lang="ko-KR" altLang="en-US" sz="1600" b="1" dirty="0">
-              <a:solidFill>
-                <a:srgbClr val="FF0000"/>
-              </a:solidFill>
-            </a:endParaRPr>
-          </a:p>
-        </p:txBody>
-      </p:sp>
-      <p:sp>
-        <p:nvSpPr>
-          <p:cNvPr id="77" name="화살표: 아래쪽 76"/>
-          <p:cNvSpPr/>
-          <p:nvPr/>
-        </p:nvSpPr>
-        <p:spPr>
-          <a:xfrm rot="10800000">
-            <a:off x="8651065" y="3957614"/>
-            <a:ext cx="484632" cy="1142432"/>
-          </a:xfrm>
-          <a:prstGeom prst="downArrow">
-            <a:avLst>
-              <a:gd name="adj1" fmla="val 29491"/>
-              <a:gd name="adj2" fmla="val 88966"/>
-            </a:avLst>
-          </a:prstGeom>
-          <a:solidFill>
-            <a:srgbClr val="FF0000"/>
-          </a:solidFill>
-          <a:ln w="34925">
-            <a:solidFill>
-              <a:schemeClr val="tx1"/>
-            </a:solidFill>
-            <a:prstDash val="sysDot"/>
-          </a:ln>
-        </p:spPr>
-        <p:style>
-          <a:lnRef idx="2">
-            <a:schemeClr val="accent1">
-              <a:shade val="50000"/>
-            </a:schemeClr>
-          </a:lnRef>
-          <a:fillRef idx="1">
-            <a:schemeClr val="accent1"/>
-          </a:fillRef>
-          <a:effectRef idx="0">
-            <a:schemeClr val="accent1"/>
-          </a:effectRef>
-          <a:fontRef idx="minor">
-            <a:schemeClr val="lt1"/>
-          </a:fontRef>
-        </p:style>
-        <p:txBody>
-          <a:bodyPr rtlCol="0" anchor="ctr"/>
-          <a:lstStyle/>
-          <a:p>
-            <a:pPr algn="ctr"/>
-            <a:endParaRPr lang="ko-KR" altLang="en-US"/>
           </a:p>
         </p:txBody>
       </p:sp>
@@ -15015,14 +14595,14 @@
           <p:nvPr>
             <p:extLst>
               <p:ext uri="{D42A27DB-BD31-4B8C-83A1-F6EECF244321}">
-                <p14:modId xmlns:p14="http://schemas.microsoft.com/office/powerpoint/2010/main" val="1193735269"/>
+                <p14:modId xmlns:p14="http://schemas.microsoft.com/office/powerpoint/2010/main" val="3067139102"/>
               </p:ext>
             </p:extLst>
           </p:nvPr>
         </p:nvGraphicFramePr>
         <p:xfrm>
           <a:off x="9752021" y="1159117"/>
-          <a:ext cx="2339219" cy="579120"/>
+          <a:ext cx="2339219" cy="1158240"/>
         </p:xfrm>
         <a:graphic>
           <a:graphicData uri="http://schemas.openxmlformats.org/drawingml/2006/table">
@@ -15171,6 +14751,166 @@
                 <a:extLst>
                   <a:ext uri="{0D108BD9-81ED-4DB2-BD59-A6C34878D82A}">
                     <a16:rowId xmlns:a16="http://schemas.microsoft.com/office/drawing/2014/main" val="1332450248"/>
+                  </a:ext>
+                </a:extLst>
+              </a:tr>
+              <a:tr h="579120">
+                <a:tc>
+                  <a:txBody>
+                    <a:bodyPr/>
+                    <a:lstStyle/>
+                    <a:p>
+                      <a:pPr algn="ctr" latinLnBrk="1"/>
+                      <a:r>
+                        <a:rPr lang="en-US" altLang="ko-KR" sz="1400" dirty="0">
+                          <a:solidFill>
+                            <a:schemeClr val="tx1"/>
+                          </a:solidFill>
+                        </a:rPr>
+                        <a:t>2</a:t>
+                      </a:r>
+                      <a:endParaRPr lang="ko-KR" altLang="en-US" sz="1400" dirty="0">
+                        <a:solidFill>
+                          <a:schemeClr val="tx1"/>
+                        </a:solidFill>
+                      </a:endParaRPr>
+                    </a:p>
+                  </a:txBody>
+                  <a:tcPr anchor="ctr" anchorCtr="1">
+                    <a:lnL w="9525" cap="flat" cmpd="sng" algn="ctr">
+                      <a:solidFill>
+                        <a:schemeClr val="tx1"/>
+                      </a:solidFill>
+                      <a:prstDash val="solid"/>
+                      <a:round/>
+                      <a:headEnd type="none" w="med" len="med"/>
+                      <a:tailEnd type="none" w="med" len="med"/>
+                    </a:lnL>
+                    <a:lnR w="9525" cap="flat" cmpd="sng" algn="ctr">
+                      <a:solidFill>
+                        <a:schemeClr val="tx1"/>
+                      </a:solidFill>
+                      <a:prstDash val="solid"/>
+                      <a:round/>
+                      <a:headEnd type="none" w="med" len="med"/>
+                      <a:tailEnd type="none" w="med" len="med"/>
+                    </a:lnR>
+                    <a:lnT w="9525" cap="flat" cmpd="sng" algn="ctr">
+                      <a:solidFill>
+                        <a:schemeClr val="tx1"/>
+                      </a:solidFill>
+                      <a:prstDash val="solid"/>
+                      <a:round/>
+                      <a:headEnd type="none" w="med" len="med"/>
+                      <a:tailEnd type="none" w="med" len="med"/>
+                    </a:lnT>
+                    <a:lnB w="9525" cap="flat" cmpd="sng" algn="ctr">
+                      <a:solidFill>
+                        <a:schemeClr val="tx1"/>
+                      </a:solidFill>
+                      <a:prstDash val="solid"/>
+                      <a:round/>
+                      <a:headEnd type="none" w="med" len="med"/>
+                      <a:tailEnd type="none" w="med" len="med"/>
+                    </a:lnB>
+                    <a:solidFill>
+                      <a:schemeClr val="bg1"/>
+                    </a:solidFill>
+                  </a:tcPr>
+                </a:tc>
+                <a:tc>
+                  <a:txBody>
+                    <a:bodyPr/>
+                    <a:lstStyle/>
+                    <a:p>
+                      <a:pPr algn="ctr" latinLnBrk="1"/>
+                      <a:r>
+                        <a:rPr lang="ko-KR" altLang="en-US" sz="800" b="0" dirty="0">
+                          <a:solidFill>
+                            <a:schemeClr val="tx1"/>
+                          </a:solidFill>
+                        </a:rPr>
+                        <a:t>도르래</a:t>
+                      </a:r>
+                      <a:r>
+                        <a:rPr lang="en-US" altLang="ko-KR" sz="800" b="0" dirty="0">
+                          <a:solidFill>
+                            <a:schemeClr val="tx1"/>
+                          </a:solidFill>
+                        </a:rPr>
+                        <a:t>: </a:t>
+                      </a:r>
+                      <a:r>
+                        <a:rPr lang="ko-KR" altLang="en-US" sz="800" b="0" dirty="0">
+                          <a:solidFill>
+                            <a:schemeClr val="tx1"/>
+                          </a:solidFill>
+                        </a:rPr>
+                        <a:t>사용 시</a:t>
+                      </a:r>
+                      <a:r>
+                        <a:rPr lang="en-US" altLang="ko-KR" sz="800" b="0" dirty="0">
+                          <a:solidFill>
+                            <a:schemeClr val="tx1"/>
+                          </a:solidFill>
+                        </a:rPr>
+                        <a:t>, </a:t>
+                      </a:r>
+                      <a:r>
+                        <a:rPr lang="ko-KR" altLang="en-US" sz="800" b="0" dirty="0">
+                          <a:solidFill>
+                            <a:schemeClr val="tx1"/>
+                          </a:solidFill>
+                        </a:rPr>
+                        <a:t>벽 하강</a:t>
+                      </a:r>
+                    </a:p>
+                  </a:txBody>
+                  <a:tcPr anchor="ctr" anchorCtr="1">
+                    <a:lnL w="9525" cap="flat" cmpd="sng" algn="ctr">
+                      <a:solidFill>
+                        <a:schemeClr val="tx1"/>
+                      </a:solidFill>
+                      <a:prstDash val="solid"/>
+                      <a:round/>
+                      <a:headEnd type="none" w="med" len="med"/>
+                      <a:tailEnd type="none" w="med" len="med"/>
+                    </a:lnL>
+                    <a:lnR w="9525" cap="flat" cmpd="sng" algn="ctr">
+                      <a:solidFill>
+                        <a:schemeClr val="tx1"/>
+                      </a:solidFill>
+                      <a:prstDash val="solid"/>
+                      <a:round/>
+                      <a:headEnd type="none" w="med" len="med"/>
+                      <a:tailEnd type="none" w="med" len="med"/>
+                    </a:lnR>
+                    <a:lnT w="9525" cap="flat" cmpd="sng" algn="ctr">
+                      <a:solidFill>
+                        <a:schemeClr val="tx1"/>
+                      </a:solidFill>
+                      <a:prstDash val="solid"/>
+                      <a:round/>
+                      <a:headEnd type="none" w="med" len="med"/>
+                      <a:tailEnd type="none" w="med" len="med"/>
+                    </a:lnT>
+                    <a:lnB w="9525" cap="flat" cmpd="sng" algn="ctr">
+                      <a:solidFill>
+                        <a:schemeClr val="tx1"/>
+                      </a:solidFill>
+                      <a:prstDash val="solid"/>
+                      <a:round/>
+                      <a:headEnd type="none" w="med" len="med"/>
+                      <a:tailEnd type="none" w="med" len="med"/>
+                    </a:lnB>
+                    <a:solidFill>
+                      <a:schemeClr val="bg1"/>
+                    </a:solidFill>
+                  </a:tcPr>
+                </a:tc>
+                <a:extLst>
+                  <a:ext uri="{0D108BD9-81ED-4DB2-BD59-A6C34878D82A}">
+                    <a16:rowId xmlns:a16="http://schemas.microsoft.com/office/drawing/2014/main" val="3782189432"/>
                   </a:ext>
                 </a:extLst>
               </a:tr>
@@ -16096,7 +15836,7 @@
         </p:nvSpPr>
         <p:spPr>
           <a:xfrm>
-            <a:off x="119212" y="2076731"/>
+            <a:off x="6105911" y="2083143"/>
             <a:ext cx="737835" cy="1024741"/>
           </a:xfrm>
           <a:prstGeom prst="rect">
@@ -16843,6 +16583,260 @@
                 <a:srgbClr val="FF0000"/>
               </a:solidFill>
             </a:endParaRPr>
+          </a:p>
+        </p:txBody>
+      </p:sp>
+      <p:sp>
+        <p:nvSpPr>
+          <p:cNvPr id="27" name="직사각형 26"/>
+          <p:cNvSpPr/>
+          <p:nvPr/>
+        </p:nvSpPr>
+        <p:spPr>
+          <a:xfrm>
+            <a:off x="4645122" y="2123770"/>
+            <a:ext cx="802432" cy="795042"/>
+          </a:xfrm>
+          <a:prstGeom prst="rect">
+            <a:avLst/>
+          </a:prstGeom>
+          <a:solidFill>
+            <a:srgbClr val="9900CC"/>
+          </a:solidFill>
+          <a:ln>
+            <a:solidFill>
+              <a:schemeClr val="tx1"/>
+            </a:solidFill>
+          </a:ln>
+        </p:spPr>
+        <p:style>
+          <a:lnRef idx="2">
+            <a:schemeClr val="accent1">
+              <a:shade val="50000"/>
+            </a:schemeClr>
+          </a:lnRef>
+          <a:fillRef idx="1">
+            <a:schemeClr val="accent1"/>
+          </a:fillRef>
+          <a:effectRef idx="0">
+            <a:schemeClr val="accent1"/>
+          </a:effectRef>
+          <a:fontRef idx="minor">
+            <a:schemeClr val="lt1"/>
+          </a:fontRef>
+        </p:style>
+        <p:txBody>
+          <a:bodyPr rtlCol="0" anchor="ctr"/>
+          <a:lstStyle/>
+          <a:p>
+            <a:pPr algn="ctr"/>
+            <a:endParaRPr lang="ko-KR" altLang="en-US"/>
+          </a:p>
+        </p:txBody>
+      </p:sp>
+      <p:sp>
+        <p:nvSpPr>
+          <p:cNvPr id="28" name="타원 27"/>
+          <p:cNvSpPr/>
+          <p:nvPr/>
+        </p:nvSpPr>
+        <p:spPr>
+          <a:xfrm>
+            <a:off x="4745344" y="2220297"/>
+            <a:ext cx="601987" cy="601987"/>
+          </a:xfrm>
+          <a:prstGeom prst="ellipse">
+            <a:avLst/>
+          </a:prstGeom>
+          <a:solidFill>
+            <a:srgbClr val="CC66FF"/>
+          </a:solidFill>
+          <a:ln>
+            <a:noFill/>
+          </a:ln>
+        </p:spPr>
+        <p:style>
+          <a:lnRef idx="2">
+            <a:schemeClr val="accent1">
+              <a:shade val="50000"/>
+            </a:schemeClr>
+          </a:lnRef>
+          <a:fillRef idx="1">
+            <a:schemeClr val="accent1"/>
+          </a:fillRef>
+          <a:effectRef idx="0">
+            <a:schemeClr val="accent1"/>
+          </a:effectRef>
+          <a:fontRef idx="minor">
+            <a:schemeClr val="lt1"/>
+          </a:fontRef>
+        </p:style>
+        <p:txBody>
+          <a:bodyPr rtlCol="0" anchor="ctr"/>
+          <a:lstStyle/>
+          <a:p>
+            <a:pPr algn="ctr"/>
+            <a:r>
+              <a:rPr lang="ko-KR" altLang="en-US" sz="1000" dirty="0"/>
+              <a:t>도르래</a:t>
+            </a:r>
+          </a:p>
+        </p:txBody>
+      </p:sp>
+      <p:sp>
+        <p:nvSpPr>
+          <p:cNvPr id="29" name="화살표: 아래쪽 28"/>
+          <p:cNvSpPr/>
+          <p:nvPr/>
+        </p:nvSpPr>
+        <p:spPr>
+          <a:xfrm>
+            <a:off x="1752804" y="3310123"/>
+            <a:ext cx="484632" cy="1142432"/>
+          </a:xfrm>
+          <a:prstGeom prst="downArrow">
+            <a:avLst>
+              <a:gd name="adj1" fmla="val 29491"/>
+              <a:gd name="adj2" fmla="val 88966"/>
+            </a:avLst>
+          </a:prstGeom>
+          <a:solidFill>
+            <a:srgbClr val="FF0000"/>
+          </a:solidFill>
+          <a:ln w="34925">
+            <a:solidFill>
+              <a:schemeClr val="tx1"/>
+            </a:solidFill>
+            <a:prstDash val="sysDot"/>
+          </a:ln>
+        </p:spPr>
+        <p:style>
+          <a:lnRef idx="2">
+            <a:schemeClr val="accent1">
+              <a:shade val="50000"/>
+            </a:schemeClr>
+          </a:lnRef>
+          <a:fillRef idx="1">
+            <a:schemeClr val="accent1"/>
+          </a:fillRef>
+          <a:effectRef idx="0">
+            <a:schemeClr val="accent1"/>
+          </a:effectRef>
+          <a:fontRef idx="minor">
+            <a:schemeClr val="lt1"/>
+          </a:fontRef>
+        </p:style>
+        <p:txBody>
+          <a:bodyPr rtlCol="0" anchor="ctr"/>
+          <a:lstStyle/>
+          <a:p>
+            <a:pPr algn="ctr"/>
+            <a:endParaRPr lang="ko-KR" altLang="en-US"/>
+          </a:p>
+        </p:txBody>
+      </p:sp>
+      <p:sp>
+        <p:nvSpPr>
+          <p:cNvPr id="30" name="원통형 29"/>
+          <p:cNvSpPr/>
+          <p:nvPr/>
+        </p:nvSpPr>
+        <p:spPr>
+          <a:xfrm>
+            <a:off x="230909" y="1262723"/>
+            <a:ext cx="979612" cy="1778152"/>
+          </a:xfrm>
+          <a:prstGeom prst="can">
+            <a:avLst/>
+          </a:prstGeom>
+          <a:solidFill>
+            <a:schemeClr val="accent4">
+              <a:lumMod val="40000"/>
+              <a:lumOff val="60000"/>
+            </a:schemeClr>
+          </a:solidFill>
+        </p:spPr>
+        <p:style>
+          <a:lnRef idx="2">
+            <a:schemeClr val="accent1">
+              <a:shade val="50000"/>
+            </a:schemeClr>
+          </a:lnRef>
+          <a:fillRef idx="1">
+            <a:schemeClr val="accent1"/>
+          </a:fillRef>
+          <a:effectRef idx="0">
+            <a:schemeClr val="accent1"/>
+          </a:effectRef>
+          <a:fontRef idx="minor">
+            <a:schemeClr val="lt1"/>
+          </a:fontRef>
+        </p:style>
+        <p:txBody>
+          <a:bodyPr rtlCol="0" anchor="ctr"/>
+          <a:lstStyle/>
+          <a:p>
+            <a:pPr algn="ctr"/>
+            <a:r>
+              <a:rPr lang="ko-KR" altLang="en-US" dirty="0">
+                <a:solidFill>
+                  <a:schemeClr val="tx1"/>
+                </a:solidFill>
+              </a:rPr>
+              <a:t>몬스터</a:t>
+            </a:r>
+          </a:p>
+        </p:txBody>
+      </p:sp>
+      <p:sp>
+        <p:nvSpPr>
+          <p:cNvPr id="31" name="화살표: 아래쪽 30"/>
+          <p:cNvSpPr/>
+          <p:nvPr/>
+        </p:nvSpPr>
+        <p:spPr>
+          <a:xfrm rot="16200000">
+            <a:off x="951962" y="2193233"/>
+            <a:ext cx="484632" cy="1142432"/>
+          </a:xfrm>
+          <a:prstGeom prst="downArrow">
+            <a:avLst>
+              <a:gd name="adj1" fmla="val 29491"/>
+              <a:gd name="adj2" fmla="val 88966"/>
+            </a:avLst>
+          </a:prstGeom>
+          <a:solidFill>
+            <a:srgbClr val="FF0000"/>
+          </a:solidFill>
+          <a:ln w="34925">
+            <a:solidFill>
+              <a:schemeClr val="tx1"/>
+            </a:solidFill>
+            <a:prstDash val="sysDot"/>
+          </a:ln>
+        </p:spPr>
+        <p:style>
+          <a:lnRef idx="2">
+            <a:schemeClr val="accent1">
+              <a:shade val="50000"/>
+            </a:schemeClr>
+          </a:lnRef>
+          <a:fillRef idx="1">
+            <a:schemeClr val="accent1"/>
+          </a:fillRef>
+          <a:effectRef idx="0">
+            <a:schemeClr val="accent1"/>
+          </a:effectRef>
+          <a:fontRef idx="minor">
+            <a:schemeClr val="lt1"/>
+          </a:fontRef>
+        </p:style>
+        <p:txBody>
+          <a:bodyPr rtlCol="0" anchor="ctr"/>
+          <a:lstStyle/>
+          <a:p>
+            <a:pPr algn="ctr"/>
+            <a:endParaRPr lang="ko-KR" altLang="en-US"/>
           </a:p>
         </p:txBody>
       </p:sp>
@@ -20475,216 +20469,6 @@
       </p:sp>
       <p:sp>
         <p:nvSpPr>
-          <p:cNvPr id="68" name="원통형 67"/>
-          <p:cNvSpPr/>
-          <p:nvPr/>
-        </p:nvSpPr>
-        <p:spPr>
-          <a:xfrm>
-            <a:off x="211600" y="3142759"/>
-            <a:ext cx="979612" cy="1778152"/>
-          </a:xfrm>
-          <a:prstGeom prst="can">
-            <a:avLst/>
-          </a:prstGeom>
-          <a:solidFill>
-            <a:schemeClr val="accent4">
-              <a:lumMod val="40000"/>
-              <a:lumOff val="60000"/>
-            </a:schemeClr>
-          </a:solidFill>
-        </p:spPr>
-        <p:style>
-          <a:lnRef idx="2">
-            <a:schemeClr val="accent1">
-              <a:shade val="50000"/>
-            </a:schemeClr>
-          </a:lnRef>
-          <a:fillRef idx="1">
-            <a:schemeClr val="accent1"/>
-          </a:fillRef>
-          <a:effectRef idx="0">
-            <a:schemeClr val="accent1"/>
-          </a:effectRef>
-          <a:fontRef idx="minor">
-            <a:schemeClr val="lt1"/>
-          </a:fontRef>
-        </p:style>
-        <p:txBody>
-          <a:bodyPr rtlCol="0" anchor="ctr"/>
-          <a:lstStyle/>
-          <a:p>
-            <a:pPr algn="ctr"/>
-            <a:r>
-              <a:rPr lang="ko-KR" altLang="en-US" dirty="0">
-                <a:solidFill>
-                  <a:schemeClr val="tx1"/>
-                </a:solidFill>
-              </a:rPr>
-              <a:t>몬스터</a:t>
-            </a:r>
-          </a:p>
-        </p:txBody>
-      </p:sp>
-      <p:sp>
-        <p:nvSpPr>
-          <p:cNvPr id="69" name="화살표: 아래쪽 68"/>
-          <p:cNvSpPr/>
-          <p:nvPr/>
-        </p:nvSpPr>
-        <p:spPr>
-          <a:xfrm rot="16200000">
-            <a:off x="528394" y="4128608"/>
-            <a:ext cx="484632" cy="1142432"/>
-          </a:xfrm>
-          <a:prstGeom prst="downArrow">
-            <a:avLst>
-              <a:gd name="adj1" fmla="val 29491"/>
-              <a:gd name="adj2" fmla="val 88966"/>
-            </a:avLst>
-          </a:prstGeom>
-          <a:solidFill>
-            <a:srgbClr val="FF0000"/>
-          </a:solidFill>
-          <a:ln w="34925">
-            <a:solidFill>
-              <a:schemeClr val="tx1"/>
-            </a:solidFill>
-            <a:prstDash val="sysDot"/>
-          </a:ln>
-        </p:spPr>
-        <p:style>
-          <a:lnRef idx="2">
-            <a:schemeClr val="accent1">
-              <a:shade val="50000"/>
-            </a:schemeClr>
-          </a:lnRef>
-          <a:fillRef idx="1">
-            <a:schemeClr val="accent1"/>
-          </a:fillRef>
-          <a:effectRef idx="0">
-            <a:schemeClr val="accent1"/>
-          </a:effectRef>
-          <a:fontRef idx="minor">
-            <a:schemeClr val="lt1"/>
-          </a:fontRef>
-        </p:style>
-        <p:txBody>
-          <a:bodyPr rtlCol="0" anchor="ctr"/>
-          <a:lstStyle/>
-          <a:p>
-            <a:pPr algn="ctr"/>
-            <a:endParaRPr lang="ko-KR" altLang="en-US"/>
-          </a:p>
-        </p:txBody>
-      </p:sp>
-      <p:sp>
-        <p:nvSpPr>
-          <p:cNvPr id="70" name="원통형 69"/>
-          <p:cNvSpPr/>
-          <p:nvPr/>
-        </p:nvSpPr>
-        <p:spPr>
-          <a:xfrm>
-            <a:off x="6712708" y="1160626"/>
-            <a:ext cx="979612" cy="1114201"/>
-          </a:xfrm>
-          <a:prstGeom prst="can">
-            <a:avLst/>
-          </a:prstGeom>
-          <a:solidFill>
-            <a:schemeClr val="accent4">
-              <a:lumMod val="40000"/>
-              <a:lumOff val="60000"/>
-            </a:schemeClr>
-          </a:solidFill>
-        </p:spPr>
-        <p:style>
-          <a:lnRef idx="2">
-            <a:schemeClr val="accent1">
-              <a:shade val="50000"/>
-            </a:schemeClr>
-          </a:lnRef>
-          <a:fillRef idx="1">
-            <a:schemeClr val="accent1"/>
-          </a:fillRef>
-          <a:effectRef idx="0">
-            <a:schemeClr val="accent1"/>
-          </a:effectRef>
-          <a:fontRef idx="minor">
-            <a:schemeClr val="lt1"/>
-          </a:fontRef>
-        </p:style>
-        <p:txBody>
-          <a:bodyPr rtlCol="0" anchor="ctr"/>
-          <a:lstStyle/>
-          <a:p>
-            <a:pPr algn="ctr"/>
-            <a:r>
-              <a:rPr lang="ko-KR" altLang="en-US" dirty="0">
-                <a:solidFill>
-                  <a:schemeClr val="tx1"/>
-                </a:solidFill>
-              </a:rPr>
-              <a:t>몬스터</a:t>
-            </a:r>
-          </a:p>
-        </p:txBody>
-      </p:sp>
-      <p:sp>
-        <p:nvSpPr>
-          <p:cNvPr id="71" name="화살표: 아래쪽 70"/>
-          <p:cNvSpPr/>
-          <p:nvPr/>
-        </p:nvSpPr>
-        <p:spPr>
-          <a:xfrm rot="21600000">
-            <a:off x="7692320" y="1480279"/>
-            <a:ext cx="484632" cy="1142432"/>
-          </a:xfrm>
-          <a:prstGeom prst="downArrow">
-            <a:avLst>
-              <a:gd name="adj1" fmla="val 29491"/>
-              <a:gd name="adj2" fmla="val 88966"/>
-            </a:avLst>
-          </a:prstGeom>
-          <a:solidFill>
-            <a:srgbClr val="FF0000"/>
-          </a:solidFill>
-          <a:ln w="34925">
-            <a:solidFill>
-              <a:schemeClr val="tx1"/>
-            </a:solidFill>
-            <a:prstDash val="sysDot"/>
-          </a:ln>
-        </p:spPr>
-        <p:style>
-          <a:lnRef idx="2">
-            <a:schemeClr val="accent1">
-              <a:shade val="50000"/>
-            </a:schemeClr>
-          </a:lnRef>
-          <a:fillRef idx="1">
-            <a:schemeClr val="accent1"/>
-          </a:fillRef>
-          <a:effectRef idx="0">
-            <a:schemeClr val="accent1"/>
-          </a:effectRef>
-          <a:fontRef idx="minor">
-            <a:schemeClr val="lt1"/>
-          </a:fontRef>
-        </p:style>
-        <p:txBody>
-          <a:bodyPr rtlCol="0" anchor="ctr"/>
-          <a:lstStyle/>
-          <a:p>
-            <a:pPr algn="ctr"/>
-            <a:endParaRPr lang="ko-KR" altLang="en-US"/>
-          </a:p>
-        </p:txBody>
-      </p:sp>
-      <p:sp>
-        <p:nvSpPr>
           <p:cNvPr id="72" name="직사각형 71"/>
           <p:cNvSpPr/>
           <p:nvPr/>
@@ -23238,111 +23022,6 @@
               <a:rPr lang="ko-KR" altLang="en-US" dirty="0"/>
               <a:t>벽</a:t>
             </a:r>
-          </a:p>
-        </p:txBody>
-      </p:sp>
-      <p:sp>
-        <p:nvSpPr>
-          <p:cNvPr id="35" name="원통형 34"/>
-          <p:cNvSpPr/>
-          <p:nvPr/>
-        </p:nvSpPr>
-        <p:spPr>
-          <a:xfrm>
-            <a:off x="886322" y="3093915"/>
-            <a:ext cx="979612" cy="1778152"/>
-          </a:xfrm>
-          <a:prstGeom prst="can">
-            <a:avLst/>
-          </a:prstGeom>
-          <a:solidFill>
-            <a:schemeClr val="accent4">
-              <a:lumMod val="40000"/>
-              <a:lumOff val="60000"/>
-            </a:schemeClr>
-          </a:solidFill>
-        </p:spPr>
-        <p:style>
-          <a:lnRef idx="2">
-            <a:schemeClr val="accent1">
-              <a:shade val="50000"/>
-            </a:schemeClr>
-          </a:lnRef>
-          <a:fillRef idx="1">
-            <a:schemeClr val="accent1"/>
-          </a:fillRef>
-          <a:effectRef idx="0">
-            <a:schemeClr val="accent1"/>
-          </a:effectRef>
-          <a:fontRef idx="minor">
-            <a:schemeClr val="lt1"/>
-          </a:fontRef>
-        </p:style>
-        <p:txBody>
-          <a:bodyPr rtlCol="0" anchor="ctr"/>
-          <a:lstStyle/>
-          <a:p>
-            <a:pPr algn="ctr"/>
-            <a:r>
-              <a:rPr lang="ko-KR" altLang="en-US" dirty="0">
-                <a:solidFill>
-                  <a:schemeClr val="tx1"/>
-                </a:solidFill>
-              </a:rPr>
-              <a:t>몬스터</a:t>
-            </a:r>
-          </a:p>
-        </p:txBody>
-      </p:sp>
-      <p:sp>
-        <p:nvSpPr>
-          <p:cNvPr id="36" name="화살표: 아래쪽 35"/>
-          <p:cNvSpPr/>
-          <p:nvPr/>
-        </p:nvSpPr>
-        <p:spPr>
-          <a:xfrm rot="16200000">
-            <a:off x="1203116" y="4079764"/>
-            <a:ext cx="484632" cy="1142432"/>
-          </a:xfrm>
-          <a:prstGeom prst="downArrow">
-            <a:avLst>
-              <a:gd name="adj1" fmla="val 29491"/>
-              <a:gd name="adj2" fmla="val 88966"/>
-            </a:avLst>
-          </a:prstGeom>
-          <a:solidFill>
-            <a:srgbClr val="FF0000"/>
-          </a:solidFill>
-          <a:ln w="34925">
-            <a:solidFill>
-              <a:schemeClr val="tx1"/>
-            </a:solidFill>
-            <a:prstDash val="sysDot"/>
-          </a:ln>
-        </p:spPr>
-        <p:style>
-          <a:lnRef idx="2">
-            <a:schemeClr val="accent1">
-              <a:shade val="50000"/>
-            </a:schemeClr>
-          </a:lnRef>
-          <a:fillRef idx="1">
-            <a:schemeClr val="accent1"/>
-          </a:fillRef>
-          <a:effectRef idx="0">
-            <a:schemeClr val="accent1"/>
-          </a:effectRef>
-          <a:fontRef idx="minor">
-            <a:schemeClr val="lt1"/>
-          </a:fontRef>
-        </p:style>
-        <p:txBody>
-          <a:bodyPr rtlCol="0" anchor="ctr"/>
-          <a:lstStyle/>
-          <a:p>
-            <a:pPr algn="ctr"/>
-            <a:endParaRPr lang="ko-KR" altLang="en-US"/>
           </a:p>
         </p:txBody>
       </p:sp>
@@ -25379,111 +25058,6 @@
           </a:p>
         </p:txBody>
       </p:sp>
-      <p:sp>
-        <p:nvSpPr>
-          <p:cNvPr id="35" name="원통형 34"/>
-          <p:cNvSpPr/>
-          <p:nvPr/>
-        </p:nvSpPr>
-        <p:spPr>
-          <a:xfrm>
-            <a:off x="4359514" y="3119922"/>
-            <a:ext cx="979612" cy="1778152"/>
-          </a:xfrm>
-          <a:prstGeom prst="can">
-            <a:avLst/>
-          </a:prstGeom>
-          <a:solidFill>
-            <a:schemeClr val="accent4">
-              <a:lumMod val="40000"/>
-              <a:lumOff val="60000"/>
-            </a:schemeClr>
-          </a:solidFill>
-        </p:spPr>
-        <p:style>
-          <a:lnRef idx="2">
-            <a:schemeClr val="accent1">
-              <a:shade val="50000"/>
-            </a:schemeClr>
-          </a:lnRef>
-          <a:fillRef idx="1">
-            <a:schemeClr val="accent1"/>
-          </a:fillRef>
-          <a:effectRef idx="0">
-            <a:schemeClr val="accent1"/>
-          </a:effectRef>
-          <a:fontRef idx="minor">
-            <a:schemeClr val="lt1"/>
-          </a:fontRef>
-        </p:style>
-        <p:txBody>
-          <a:bodyPr rtlCol="0" anchor="ctr"/>
-          <a:lstStyle/>
-          <a:p>
-            <a:pPr algn="ctr"/>
-            <a:r>
-              <a:rPr lang="ko-KR" altLang="en-US" dirty="0">
-                <a:solidFill>
-                  <a:schemeClr val="tx1"/>
-                </a:solidFill>
-              </a:rPr>
-              <a:t>몬스터</a:t>
-            </a:r>
-          </a:p>
-        </p:txBody>
-      </p:sp>
-      <p:sp>
-        <p:nvSpPr>
-          <p:cNvPr id="36" name="화살표: 아래쪽 35"/>
-          <p:cNvSpPr/>
-          <p:nvPr/>
-        </p:nvSpPr>
-        <p:spPr>
-          <a:xfrm rot="5400000">
-            <a:off x="4508685" y="4096537"/>
-            <a:ext cx="484632" cy="1142432"/>
-          </a:xfrm>
-          <a:prstGeom prst="downArrow">
-            <a:avLst>
-              <a:gd name="adj1" fmla="val 29491"/>
-              <a:gd name="adj2" fmla="val 88966"/>
-            </a:avLst>
-          </a:prstGeom>
-          <a:solidFill>
-            <a:srgbClr val="FF0000"/>
-          </a:solidFill>
-          <a:ln w="34925">
-            <a:solidFill>
-              <a:schemeClr val="tx1"/>
-            </a:solidFill>
-            <a:prstDash val="sysDot"/>
-          </a:ln>
-        </p:spPr>
-        <p:style>
-          <a:lnRef idx="2">
-            <a:schemeClr val="accent1">
-              <a:shade val="50000"/>
-            </a:schemeClr>
-          </a:lnRef>
-          <a:fillRef idx="1">
-            <a:schemeClr val="accent1"/>
-          </a:fillRef>
-          <a:effectRef idx="0">
-            <a:schemeClr val="accent1"/>
-          </a:effectRef>
-          <a:fontRef idx="minor">
-            <a:schemeClr val="lt1"/>
-          </a:fontRef>
-        </p:style>
-        <p:txBody>
-          <a:bodyPr rtlCol="0" anchor="ctr"/>
-          <a:lstStyle/>
-          <a:p>
-            <a:pPr algn="ctr"/>
-            <a:endParaRPr lang="ko-KR" altLang="en-US"/>
-          </a:p>
-        </p:txBody>
-      </p:sp>
       <p:grpSp>
         <p:nvGrpSpPr>
           <p:cNvPr id="40" name="그룹 39"/>
@@ -37989,7 +37563,7 @@
         </p:nvSpPr>
         <p:spPr>
           <a:xfrm>
-            <a:off x="3877372" y="3910014"/>
+            <a:off x="7104407" y="2542634"/>
             <a:ext cx="914400" cy="451376"/>
           </a:xfrm>
           <a:prstGeom prst="roundRect">
@@ -38052,7 +37626,7 @@
         </p:nvSpPr>
         <p:spPr>
           <a:xfrm>
-            <a:off x="3684157" y="3727664"/>
+            <a:off x="6911192" y="2360284"/>
             <a:ext cx="217576" cy="213093"/>
           </a:xfrm>
           <a:prstGeom prst="ellipse">
